--- a/演示文稿.pptx
+++ b/演示文稿.pptx
@@ -3326,36 +3326,6 @@
           </a:p>
         </p:txBody>
       </p:sp>
-      <p:pic>
-        <p:nvPicPr>
-          <p:cNvPr id="18" name="图片 17"/>
-          <p:cNvPicPr>
-            <a:picLocks noChangeAspect="1"/>
-          </p:cNvPicPr>
-          <p:nvPr/>
-        </p:nvPicPr>
-        <p:blipFill>
-          <a:blip r:embed="rId4">
-            <a:extLst>
-              <a:ext uri="{28A0092B-C50C-407E-A947-70E740481C1C}">
-                <a14:useLocalDpi xmlns:a14="http://schemas.microsoft.com/office/drawing/2010/main" val="0"/>
-              </a:ext>
-            </a:extLst>
-          </a:blip>
-          <a:stretch>
-            <a:fillRect/>
-          </a:stretch>
-        </p:blipFill>
-        <p:spPr>
-          <a:xfrm>
-            <a:off x="7506034" y="3752346"/>
-            <a:ext cx="3817784" cy="2493247"/>
-          </a:xfrm>
-          <a:prstGeom prst="rect">
-            <a:avLst/>
-          </a:prstGeom>
-        </p:spPr>
-      </p:pic>
     </p:spTree>
     <p:extLst>
       <p:ext uri="{BB962C8B-B14F-4D97-AF65-F5344CB8AC3E}">
